--- a/PLPTH813Bioinformatis/2021/lectures/lecture_schedule.pptx
+++ b/PLPTH813Bioinformatis/2021/lectures/lecture_schedule.pptx
@@ -3417,7 +3417,7 @@
           <p:nvPr>
             <p:extLst>
               <p:ext uri="{D42A27DB-BD31-4B8C-83A1-F6EECF244321}">
-                <p14:modId xmlns:p14="http://schemas.microsoft.com/office/powerpoint/2010/main" val="887643043"/>
+                <p14:modId xmlns:p14="http://schemas.microsoft.com/office/powerpoint/2010/main" val="280406349"/>
               </p:ext>
             </p:extLst>
           </p:nvPr>
@@ -3700,7 +3700,7 @@
                           <a:effectLst/>
                           <a:latin typeface="Courier" pitchFamily="2" charset="0"/>
                         </a:rPr>
-                        <a:t>Project working day</a:t>
+                        <a:t>Project R&amp;D</a:t>
                       </a:r>
                       <a:endParaRPr lang="en-US" sz="2000" b="0" i="0" u="none" strike="noStrike" dirty="0">
                         <a:solidFill>
